--- a/etc/documentum/2022_다이나모 교육계획.pptx
+++ b/etc/documentum/2022_다이나모 교육계획.pptx
@@ -108,6 +108,11 @@
       </a:defRPr>
     </a:lvl9pPr>
   </p:defaultTextStyle>
+  <p:extLst>
+    <p:ext uri="{EFAFB233-063F-42B5-8137-9DF3F51BA10A}">
+      <p15:sldGuideLst xmlns:p15="http://schemas.microsoft.com/office/powerpoint/2012/main"/>
+    </p:ext>
+  </p:extLst>
 </p:presentation>
 </file>
 
@@ -257,38 +262,37 @@
           <a:p>
             <a:pPr lvl="0"/>
             <a:r>
-              <a:rPr lang="ko-KR" altLang="en-US" smtClean="0"/>
+              <a:rPr lang="ko-KR" altLang="en-US"/>
               <a:t>마스터 텍스트 스타일 편집</a:t>
             </a:r>
           </a:p>
           <a:p>
             <a:pPr lvl="1"/>
             <a:r>
-              <a:rPr lang="ko-KR" altLang="en-US" smtClean="0"/>
+              <a:rPr lang="ko-KR" altLang="en-US"/>
               <a:t>둘째 수준</a:t>
             </a:r>
           </a:p>
           <a:p>
             <a:pPr lvl="2"/>
             <a:r>
-              <a:rPr lang="ko-KR" altLang="en-US" smtClean="0"/>
+              <a:rPr lang="ko-KR" altLang="en-US"/>
               <a:t>셋째 수준</a:t>
             </a:r>
           </a:p>
           <a:p>
             <a:pPr lvl="3"/>
             <a:r>
-              <a:rPr lang="ko-KR" altLang="en-US" smtClean="0"/>
+              <a:rPr lang="ko-KR" altLang="en-US"/>
               <a:t>넷째 수준</a:t>
             </a:r>
           </a:p>
           <a:p>
             <a:pPr lvl="4"/>
             <a:r>
-              <a:rPr lang="ko-KR" altLang="en-US" smtClean="0"/>
+              <a:rPr lang="ko-KR" altLang="en-US"/>
               <a:t>다섯째 수준</a:t>
             </a:r>
-            <a:endParaRPr lang="ko-KR" altLang="en-US"/>
           </a:p>
         </p:txBody>
       </p:sp>
@@ -709,10 +713,9 @@
           </a:lstStyle>
           <a:p>
             <a:r>
-              <a:rPr lang="ko-KR" altLang="en-US" smtClean="0"/>
+              <a:rPr lang="ko-KR" altLang="en-US"/>
               <a:t>마스터 제목 스타일 편집</a:t>
             </a:r>
-            <a:endParaRPr lang="ko-KR" altLang="en-US"/>
           </a:p>
         </p:txBody>
       </p:sp>
@@ -774,10 +777,9 @@
           </a:lstStyle>
           <a:p>
             <a:r>
-              <a:rPr lang="ko-KR" altLang="en-US" smtClean="0"/>
+              <a:rPr lang="ko-KR" altLang="en-US"/>
               <a:t>클릭하여 마스터 부제목 스타일 편집</a:t>
             </a:r>
-            <a:endParaRPr lang="ko-KR" altLang="en-US"/>
           </a:p>
         </p:txBody>
       </p:sp>
@@ -892,10 +894,9 @@
           <a:lstStyle/>
           <a:p>
             <a:r>
-              <a:rPr lang="ko-KR" altLang="en-US" smtClean="0"/>
+              <a:rPr lang="ko-KR" altLang="en-US"/>
               <a:t>마스터 제목 스타일 편집</a:t>
             </a:r>
-            <a:endParaRPr lang="ko-KR" altLang="en-US"/>
           </a:p>
         </p:txBody>
       </p:sp>
@@ -916,38 +917,37 @@
           <a:p>
             <a:pPr lvl="0"/>
             <a:r>
-              <a:rPr lang="ko-KR" altLang="en-US" smtClean="0"/>
+              <a:rPr lang="ko-KR" altLang="en-US"/>
               <a:t>마스터 텍스트 스타일 편집</a:t>
             </a:r>
           </a:p>
           <a:p>
             <a:pPr lvl="1"/>
             <a:r>
-              <a:rPr lang="ko-KR" altLang="en-US" smtClean="0"/>
+              <a:rPr lang="ko-KR" altLang="en-US"/>
               <a:t>둘째 수준</a:t>
             </a:r>
           </a:p>
           <a:p>
             <a:pPr lvl="2"/>
             <a:r>
-              <a:rPr lang="ko-KR" altLang="en-US" smtClean="0"/>
+              <a:rPr lang="ko-KR" altLang="en-US"/>
               <a:t>셋째 수준</a:t>
             </a:r>
           </a:p>
           <a:p>
             <a:pPr lvl="3"/>
             <a:r>
-              <a:rPr lang="ko-KR" altLang="en-US" smtClean="0"/>
+              <a:rPr lang="ko-KR" altLang="en-US"/>
               <a:t>넷째 수준</a:t>
             </a:r>
           </a:p>
           <a:p>
             <a:pPr lvl="4"/>
             <a:r>
-              <a:rPr lang="ko-KR" altLang="en-US" smtClean="0"/>
+              <a:rPr lang="ko-KR" altLang="en-US"/>
               <a:t>다섯째 수준</a:t>
             </a:r>
-            <a:endParaRPr lang="ko-KR" altLang="en-US"/>
           </a:p>
         </p:txBody>
       </p:sp>
@@ -1067,10 +1067,9 @@
           <a:lstStyle/>
           <a:p>
             <a:r>
-              <a:rPr lang="ko-KR" altLang="en-US" smtClean="0"/>
+              <a:rPr lang="ko-KR" altLang="en-US"/>
               <a:t>마스터 제목 스타일 편집</a:t>
             </a:r>
-            <a:endParaRPr lang="ko-KR" altLang="en-US"/>
           </a:p>
         </p:txBody>
       </p:sp>
@@ -1096,38 +1095,37 @@
           <a:p>
             <a:pPr lvl="0"/>
             <a:r>
-              <a:rPr lang="ko-KR" altLang="en-US" smtClean="0"/>
+              <a:rPr lang="ko-KR" altLang="en-US"/>
               <a:t>마스터 텍스트 스타일 편집</a:t>
             </a:r>
           </a:p>
           <a:p>
             <a:pPr lvl="1"/>
             <a:r>
-              <a:rPr lang="ko-KR" altLang="en-US" smtClean="0"/>
+              <a:rPr lang="ko-KR" altLang="en-US"/>
               <a:t>둘째 수준</a:t>
             </a:r>
           </a:p>
           <a:p>
             <a:pPr lvl="2"/>
             <a:r>
-              <a:rPr lang="ko-KR" altLang="en-US" smtClean="0"/>
+              <a:rPr lang="ko-KR" altLang="en-US"/>
               <a:t>셋째 수준</a:t>
             </a:r>
           </a:p>
           <a:p>
             <a:pPr lvl="3"/>
             <a:r>
-              <a:rPr lang="ko-KR" altLang="en-US" smtClean="0"/>
+              <a:rPr lang="ko-KR" altLang="en-US"/>
               <a:t>넷째 수준</a:t>
             </a:r>
           </a:p>
           <a:p>
             <a:pPr lvl="4"/>
             <a:r>
-              <a:rPr lang="ko-KR" altLang="en-US" smtClean="0"/>
+              <a:rPr lang="ko-KR" altLang="en-US"/>
               <a:t>다섯째 수준</a:t>
             </a:r>
-            <a:endParaRPr lang="ko-KR" altLang="en-US"/>
           </a:p>
         </p:txBody>
       </p:sp>
@@ -1311,7 +1309,7 @@
           <a:p>
             <a:pPr algn="r" defTabSz="914205" eaLnBrk="0" latinLnBrk="0" hangingPunct="0"/>
             <a:r>
-              <a:rPr lang="en-US" altLang="ko-KR" sz="1000" b="0" i="0" dirty="0" smtClean="0">
+              <a:rPr lang="en-US" altLang="ko-KR" sz="1000" b="0" i="0" dirty="0">
                 <a:ln>
                   <a:solidFill>
                     <a:schemeClr val="bg1">
@@ -1352,7 +1350,7 @@
               <a:t>‹#›</a:t>
             </a:fld>
             <a:r>
-              <a:rPr lang="en-US" altLang="ko-KR" sz="1000" b="0" i="0" dirty="0" smtClean="0">
+              <a:rPr lang="en-US" altLang="ko-KR" sz="1000" b="0" i="0" dirty="0">
                 <a:ln>
                   <a:solidFill>
                     <a:schemeClr val="bg1">
@@ -1401,21 +1399,6 @@
   <p:clrMapOvr>
     <a:masterClrMapping/>
   </p:clrMapOvr>
-  <mc:AlternateContent xmlns:mc="http://schemas.openxmlformats.org/markup-compatibility/2006" xmlns:p14="http://schemas.microsoft.com/office/powerpoint/2010/main">
-    <mc:Choice Requires="p14">
-      <p:transition p14:dur="0"/>
-    </mc:Choice>
-    <mc:Fallback xmlns="">
-      <p:transition/>
-    </mc:Fallback>
-  </mc:AlternateContent>
-  <p:timing>
-    <p:tnLst>
-      <p:par>
-        <p:cTn id="1" dur="indefinite" restart="never" nodeType="tmRoot"/>
-      </p:par>
-    </p:tnLst>
-  </p:timing>
 </p:sldLayout>
 </file>
 
@@ -1452,10 +1435,9 @@
           <a:lstStyle/>
           <a:p>
             <a:r>
-              <a:rPr lang="ko-KR" altLang="en-US" smtClean="0"/>
+              <a:rPr lang="ko-KR" altLang="en-US"/>
               <a:t>마스터 제목 스타일 편집</a:t>
             </a:r>
-            <a:endParaRPr lang="ko-KR" altLang="en-US"/>
           </a:p>
         </p:txBody>
       </p:sp>
@@ -1476,38 +1458,37 @@
           <a:p>
             <a:pPr lvl="0"/>
             <a:r>
-              <a:rPr lang="ko-KR" altLang="en-US" smtClean="0"/>
+              <a:rPr lang="ko-KR" altLang="en-US"/>
               <a:t>마스터 텍스트 스타일 편집</a:t>
             </a:r>
           </a:p>
           <a:p>
             <a:pPr lvl="1"/>
             <a:r>
-              <a:rPr lang="ko-KR" altLang="en-US" smtClean="0"/>
+              <a:rPr lang="ko-KR" altLang="en-US"/>
               <a:t>둘째 수준</a:t>
             </a:r>
           </a:p>
           <a:p>
             <a:pPr lvl="2"/>
             <a:r>
-              <a:rPr lang="ko-KR" altLang="en-US" smtClean="0"/>
+              <a:rPr lang="ko-KR" altLang="en-US"/>
               <a:t>셋째 수준</a:t>
             </a:r>
           </a:p>
           <a:p>
             <a:pPr lvl="3"/>
             <a:r>
-              <a:rPr lang="ko-KR" altLang="en-US" smtClean="0"/>
+              <a:rPr lang="ko-KR" altLang="en-US"/>
               <a:t>넷째 수준</a:t>
             </a:r>
           </a:p>
           <a:p>
             <a:pPr lvl="4"/>
             <a:r>
-              <a:rPr lang="ko-KR" altLang="en-US" smtClean="0"/>
+              <a:rPr lang="ko-KR" altLang="en-US"/>
               <a:t>다섯째 수준</a:t>
             </a:r>
-            <a:endParaRPr lang="ko-KR" altLang="en-US"/>
           </a:p>
         </p:txBody>
       </p:sp>
@@ -1631,10 +1612,9 @@
           </a:lstStyle>
           <a:p>
             <a:r>
-              <a:rPr lang="ko-KR" altLang="en-US" smtClean="0"/>
+              <a:rPr lang="ko-KR" altLang="en-US"/>
               <a:t>마스터 제목 스타일 편집</a:t>
             </a:r>
-            <a:endParaRPr lang="ko-KR" altLang="en-US"/>
           </a:p>
         </p:txBody>
       </p:sp>
@@ -1751,7 +1731,7 @@
           <a:p>
             <a:pPr lvl="0"/>
             <a:r>
-              <a:rPr lang="ko-KR" altLang="en-US" smtClean="0"/>
+              <a:rPr lang="ko-KR" altLang="en-US"/>
               <a:t>마스터 텍스트 스타일 편집</a:t>
             </a:r>
           </a:p>
@@ -1868,10 +1848,9 @@
           <a:lstStyle/>
           <a:p>
             <a:r>
-              <a:rPr lang="ko-KR" altLang="en-US" smtClean="0"/>
+              <a:rPr lang="ko-KR" altLang="en-US"/>
               <a:t>마스터 제목 스타일 편집</a:t>
             </a:r>
-            <a:endParaRPr lang="ko-KR" altLang="en-US"/>
           </a:p>
         </p:txBody>
       </p:sp>
@@ -1897,38 +1876,37 @@
           <a:p>
             <a:pPr lvl="0"/>
             <a:r>
-              <a:rPr lang="ko-KR" altLang="en-US" smtClean="0"/>
+              <a:rPr lang="ko-KR" altLang="en-US"/>
               <a:t>마스터 텍스트 스타일 편집</a:t>
             </a:r>
           </a:p>
           <a:p>
             <a:pPr lvl="1"/>
             <a:r>
-              <a:rPr lang="ko-KR" altLang="en-US" smtClean="0"/>
+              <a:rPr lang="ko-KR" altLang="en-US"/>
               <a:t>둘째 수준</a:t>
             </a:r>
           </a:p>
           <a:p>
             <a:pPr lvl="2"/>
             <a:r>
-              <a:rPr lang="ko-KR" altLang="en-US" smtClean="0"/>
+              <a:rPr lang="ko-KR" altLang="en-US"/>
               <a:t>셋째 수준</a:t>
             </a:r>
           </a:p>
           <a:p>
             <a:pPr lvl="3"/>
             <a:r>
-              <a:rPr lang="ko-KR" altLang="en-US" smtClean="0"/>
+              <a:rPr lang="ko-KR" altLang="en-US"/>
               <a:t>넷째 수준</a:t>
             </a:r>
           </a:p>
           <a:p>
             <a:pPr lvl="4"/>
             <a:r>
-              <a:rPr lang="ko-KR" altLang="en-US" smtClean="0"/>
+              <a:rPr lang="ko-KR" altLang="en-US"/>
               <a:t>다섯째 수준</a:t>
             </a:r>
-            <a:endParaRPr lang="ko-KR" altLang="en-US"/>
           </a:p>
         </p:txBody>
       </p:sp>
@@ -1954,38 +1932,37 @@
           <a:p>
             <a:pPr lvl="0"/>
             <a:r>
-              <a:rPr lang="ko-KR" altLang="en-US" smtClean="0"/>
+              <a:rPr lang="ko-KR" altLang="en-US"/>
               <a:t>마스터 텍스트 스타일 편집</a:t>
             </a:r>
           </a:p>
           <a:p>
             <a:pPr lvl="1"/>
             <a:r>
-              <a:rPr lang="ko-KR" altLang="en-US" smtClean="0"/>
+              <a:rPr lang="ko-KR" altLang="en-US"/>
               <a:t>둘째 수준</a:t>
             </a:r>
           </a:p>
           <a:p>
             <a:pPr lvl="2"/>
             <a:r>
-              <a:rPr lang="ko-KR" altLang="en-US" smtClean="0"/>
+              <a:rPr lang="ko-KR" altLang="en-US"/>
               <a:t>셋째 수준</a:t>
             </a:r>
           </a:p>
           <a:p>
             <a:pPr lvl="3"/>
             <a:r>
-              <a:rPr lang="ko-KR" altLang="en-US" smtClean="0"/>
+              <a:rPr lang="ko-KR" altLang="en-US"/>
               <a:t>넷째 수준</a:t>
             </a:r>
           </a:p>
           <a:p>
             <a:pPr lvl="4"/>
             <a:r>
-              <a:rPr lang="ko-KR" altLang="en-US" smtClean="0"/>
+              <a:rPr lang="ko-KR" altLang="en-US"/>
               <a:t>다섯째 수준</a:t>
             </a:r>
-            <a:endParaRPr lang="ko-KR" altLang="en-US"/>
           </a:p>
         </p:txBody>
       </p:sp>
@@ -2105,10 +2082,9 @@
           <a:lstStyle/>
           <a:p>
             <a:r>
-              <a:rPr lang="ko-KR" altLang="en-US" smtClean="0"/>
+              <a:rPr lang="ko-KR" altLang="en-US"/>
               <a:t>마스터 제목 스타일 편집</a:t>
             </a:r>
-            <a:endParaRPr lang="ko-KR" altLang="en-US"/>
           </a:p>
         </p:txBody>
       </p:sp>
@@ -2171,7 +2147,7 @@
           <a:p>
             <a:pPr lvl="0"/>
             <a:r>
-              <a:rPr lang="ko-KR" altLang="en-US" smtClean="0"/>
+              <a:rPr lang="ko-KR" altLang="en-US"/>
               <a:t>마스터 텍스트 스타일 편집</a:t>
             </a:r>
           </a:p>
@@ -2199,38 +2175,37 @@
           <a:p>
             <a:pPr lvl="0"/>
             <a:r>
-              <a:rPr lang="ko-KR" altLang="en-US" smtClean="0"/>
+              <a:rPr lang="ko-KR" altLang="en-US"/>
               <a:t>마스터 텍스트 스타일 편집</a:t>
             </a:r>
           </a:p>
           <a:p>
             <a:pPr lvl="1"/>
             <a:r>
-              <a:rPr lang="ko-KR" altLang="en-US" smtClean="0"/>
+              <a:rPr lang="ko-KR" altLang="en-US"/>
               <a:t>둘째 수준</a:t>
             </a:r>
           </a:p>
           <a:p>
             <a:pPr lvl="2"/>
             <a:r>
-              <a:rPr lang="ko-KR" altLang="en-US" smtClean="0"/>
+              <a:rPr lang="ko-KR" altLang="en-US"/>
               <a:t>셋째 수준</a:t>
             </a:r>
           </a:p>
           <a:p>
             <a:pPr lvl="3"/>
             <a:r>
-              <a:rPr lang="ko-KR" altLang="en-US" smtClean="0"/>
+              <a:rPr lang="ko-KR" altLang="en-US"/>
               <a:t>넷째 수준</a:t>
             </a:r>
           </a:p>
           <a:p>
             <a:pPr lvl="4"/>
             <a:r>
-              <a:rPr lang="ko-KR" altLang="en-US" smtClean="0"/>
+              <a:rPr lang="ko-KR" altLang="en-US"/>
               <a:t>다섯째 수준</a:t>
             </a:r>
-            <a:endParaRPr lang="ko-KR" altLang="en-US"/>
           </a:p>
         </p:txBody>
       </p:sp>
@@ -2293,7 +2268,7 @@
           <a:p>
             <a:pPr lvl="0"/>
             <a:r>
-              <a:rPr lang="ko-KR" altLang="en-US" smtClean="0"/>
+              <a:rPr lang="ko-KR" altLang="en-US"/>
               <a:t>마스터 텍스트 스타일 편집</a:t>
             </a:r>
           </a:p>
@@ -2321,38 +2296,37 @@
           <a:p>
             <a:pPr lvl="0"/>
             <a:r>
-              <a:rPr lang="ko-KR" altLang="en-US" smtClean="0"/>
+              <a:rPr lang="ko-KR" altLang="en-US"/>
               <a:t>마스터 텍스트 스타일 편집</a:t>
             </a:r>
           </a:p>
           <a:p>
             <a:pPr lvl="1"/>
             <a:r>
-              <a:rPr lang="ko-KR" altLang="en-US" smtClean="0"/>
+              <a:rPr lang="ko-KR" altLang="en-US"/>
               <a:t>둘째 수준</a:t>
             </a:r>
           </a:p>
           <a:p>
             <a:pPr lvl="2"/>
             <a:r>
-              <a:rPr lang="ko-KR" altLang="en-US" smtClean="0"/>
+              <a:rPr lang="ko-KR" altLang="en-US"/>
               <a:t>셋째 수준</a:t>
             </a:r>
           </a:p>
           <a:p>
             <a:pPr lvl="3"/>
             <a:r>
-              <a:rPr lang="ko-KR" altLang="en-US" smtClean="0"/>
+              <a:rPr lang="ko-KR" altLang="en-US"/>
               <a:t>넷째 수준</a:t>
             </a:r>
           </a:p>
           <a:p>
             <a:pPr lvl="4"/>
             <a:r>
-              <a:rPr lang="ko-KR" altLang="en-US" smtClean="0"/>
+              <a:rPr lang="ko-KR" altLang="en-US"/>
               <a:t>다섯째 수준</a:t>
             </a:r>
-            <a:endParaRPr lang="ko-KR" altLang="en-US"/>
           </a:p>
         </p:txBody>
       </p:sp>
@@ -2467,10 +2441,9 @@
           <a:lstStyle/>
           <a:p>
             <a:r>
-              <a:rPr lang="ko-KR" altLang="en-US" smtClean="0"/>
+              <a:rPr lang="ko-KR" altLang="en-US"/>
               <a:t>마스터 제목 스타일 편집</a:t>
             </a:r>
-            <a:endParaRPr lang="ko-KR" altLang="en-US"/>
           </a:p>
         </p:txBody>
       </p:sp>
@@ -2689,10 +2662,9 @@
           </a:lstStyle>
           <a:p>
             <a:r>
-              <a:rPr lang="ko-KR" altLang="en-US" smtClean="0"/>
+              <a:rPr lang="ko-KR" altLang="en-US"/>
               <a:t>마스터 제목 스타일 편집</a:t>
             </a:r>
-            <a:endParaRPr lang="ko-KR" altLang="en-US"/>
           </a:p>
         </p:txBody>
       </p:sp>
@@ -2746,38 +2718,37 @@
           <a:p>
             <a:pPr lvl="0"/>
             <a:r>
-              <a:rPr lang="ko-KR" altLang="en-US" smtClean="0"/>
+              <a:rPr lang="ko-KR" altLang="en-US"/>
               <a:t>마스터 텍스트 스타일 편집</a:t>
             </a:r>
           </a:p>
           <a:p>
             <a:pPr lvl="1"/>
             <a:r>
-              <a:rPr lang="ko-KR" altLang="en-US" smtClean="0"/>
+              <a:rPr lang="ko-KR" altLang="en-US"/>
               <a:t>둘째 수준</a:t>
             </a:r>
           </a:p>
           <a:p>
             <a:pPr lvl="2"/>
             <a:r>
-              <a:rPr lang="ko-KR" altLang="en-US" smtClean="0"/>
+              <a:rPr lang="ko-KR" altLang="en-US"/>
               <a:t>셋째 수준</a:t>
             </a:r>
           </a:p>
           <a:p>
             <a:pPr lvl="3"/>
             <a:r>
-              <a:rPr lang="ko-KR" altLang="en-US" smtClean="0"/>
+              <a:rPr lang="ko-KR" altLang="en-US"/>
               <a:t>넷째 수준</a:t>
             </a:r>
           </a:p>
           <a:p>
             <a:pPr lvl="4"/>
             <a:r>
-              <a:rPr lang="ko-KR" altLang="en-US" smtClean="0"/>
+              <a:rPr lang="ko-KR" altLang="en-US"/>
               <a:t>다섯째 수준</a:t>
             </a:r>
-            <a:endParaRPr lang="ko-KR" altLang="en-US"/>
           </a:p>
         </p:txBody>
       </p:sp>
@@ -2840,7 +2811,7 @@
           <a:p>
             <a:pPr lvl="0"/>
             <a:r>
-              <a:rPr lang="ko-KR" altLang="en-US" smtClean="0"/>
+              <a:rPr lang="ko-KR" altLang="en-US"/>
               <a:t>마스터 텍스트 스타일 편집</a:t>
             </a:r>
           </a:p>
@@ -2966,10 +2937,9 @@
           </a:lstStyle>
           <a:p>
             <a:r>
-              <a:rPr lang="ko-KR" altLang="en-US" smtClean="0"/>
+              <a:rPr lang="ko-KR" altLang="en-US"/>
               <a:t>마스터 제목 스타일 편집</a:t>
             </a:r>
-            <a:endParaRPr lang="ko-KR" altLang="en-US"/>
           </a:p>
         </p:txBody>
       </p:sp>
@@ -3093,7 +3063,7 @@
           <a:p>
             <a:pPr lvl="0"/>
             <a:r>
-              <a:rPr lang="ko-KR" altLang="en-US" smtClean="0"/>
+              <a:rPr lang="ko-KR" altLang="en-US"/>
               <a:t>마스터 텍스트 스타일 편집</a:t>
             </a:r>
           </a:p>
@@ -3225,10 +3195,9 @@
           <a:lstStyle/>
           <a:p>
             <a:r>
-              <a:rPr lang="ko-KR" altLang="en-US" smtClean="0"/>
+              <a:rPr lang="ko-KR" altLang="en-US"/>
               <a:t>마스터 제목 스타일 편집</a:t>
             </a:r>
-            <a:endParaRPr lang="ko-KR" altLang="en-US"/>
           </a:p>
         </p:txBody>
       </p:sp>
@@ -3259,38 +3228,37 @@
           <a:p>
             <a:pPr lvl="0"/>
             <a:r>
-              <a:rPr lang="ko-KR" altLang="en-US" smtClean="0"/>
+              <a:rPr lang="ko-KR" altLang="en-US"/>
               <a:t>마스터 텍스트 스타일 편집</a:t>
             </a:r>
           </a:p>
           <a:p>
             <a:pPr lvl="1"/>
             <a:r>
-              <a:rPr lang="ko-KR" altLang="en-US" smtClean="0"/>
+              <a:rPr lang="ko-KR" altLang="en-US"/>
               <a:t>둘째 수준</a:t>
             </a:r>
           </a:p>
           <a:p>
             <a:pPr lvl="2"/>
             <a:r>
-              <a:rPr lang="ko-KR" altLang="en-US" smtClean="0"/>
+              <a:rPr lang="ko-KR" altLang="en-US"/>
               <a:t>셋째 수준</a:t>
             </a:r>
           </a:p>
           <a:p>
             <a:pPr lvl="3"/>
             <a:r>
-              <a:rPr lang="ko-KR" altLang="en-US" smtClean="0"/>
+              <a:rPr lang="ko-KR" altLang="en-US"/>
               <a:t>넷째 수준</a:t>
             </a:r>
           </a:p>
           <a:p>
             <a:pPr lvl="4"/>
             <a:r>
-              <a:rPr lang="ko-KR" altLang="en-US" smtClean="0"/>
+              <a:rPr lang="ko-KR" altLang="en-US"/>
               <a:t>다섯째 수준</a:t>
             </a:r>
-            <a:endParaRPr lang="ko-KR" altLang="en-US"/>
           </a:p>
         </p:txBody>
       </p:sp>
@@ -3849,17 +3817,6 @@
               </a:rPr>
               <a:t>기초과정</a:t>
             </a:r>
-            <a:endParaRPr lang="ko-KR" altLang="en-US" b="1" dirty="0">
-              <a:ln>
-                <a:solidFill>
-                  <a:srgbClr val="4F81BD">
-                    <a:alpha val="0"/>
-                  </a:srgbClr>
-                </a:solidFill>
-              </a:ln>
-              <a:latin typeface="현대하모니 M" panose="02020603020101020101" pitchFamily="18" charset="-127"/>
-              <a:ea typeface="현대하모니 M" panose="02020603020101020101" pitchFamily="18" charset="-127"/>
-            </a:endParaRPr>
           </a:p>
         </p:txBody>
       </p:sp>
@@ -3915,7 +3872,7 @@
               <a:defRPr/>
             </a:pPr>
             <a:r>
-              <a:rPr lang="ko-KR" altLang="en-US" sz="1400" b="1" dirty="0" smtClean="0">
+              <a:rPr lang="ko-KR" altLang="en-US" sz="1400" b="1" dirty="0">
                 <a:ln>
                   <a:solidFill>
                     <a:schemeClr val="bg1">
@@ -3961,10 +3918,10 @@
               <a:buAutoNum type="arabicPeriod"/>
             </a:pPr>
             <a:r>
-              <a:rPr lang="ko-KR" altLang="en-US" sz="1200" b="1" dirty="0" smtClean="0"/>
+              <a:rPr lang="ko-KR" altLang="en-US" sz="1200" b="1" dirty="0"/>
               <a:t>모델링 정보 조회</a:t>
             </a:r>
-            <a:endParaRPr lang="en-US" altLang="ko-KR" sz="1200" b="1" dirty="0" smtClean="0"/>
+            <a:endParaRPr lang="en-US" altLang="ko-KR" sz="1200" b="1" dirty="0"/>
           </a:p>
         </p:txBody>
       </p:sp>
@@ -4006,7 +3963,7 @@
               <a:t>2. </a:t>
             </a:r>
             <a:r>
-              <a:rPr lang="ko-KR" altLang="en-US" dirty="0" smtClean="0"/>
+              <a:rPr lang="ko-KR" altLang="en-US" dirty="0"/>
               <a:t>모델링 정보 수정</a:t>
             </a:r>
             <a:endParaRPr lang="en-US" altLang="ko-KR" dirty="0"/>
@@ -4036,11 +3993,11 @@
           <a:lstStyle/>
           <a:p>
             <a:r>
-              <a:rPr lang="en-US" altLang="ko-KR" sz="1200" b="1" dirty="0" smtClean="0"/>
+              <a:rPr lang="en-US" altLang="ko-KR" sz="1200" b="1" dirty="0"/>
               <a:t>3. </a:t>
             </a:r>
             <a:r>
-              <a:rPr lang="ko-KR" altLang="en-US" sz="1200" b="1" dirty="0" smtClean="0"/>
+              <a:rPr lang="ko-KR" altLang="en-US" sz="1200" b="1" dirty="0"/>
               <a:t>테이블을 통한 모델 작성</a:t>
             </a:r>
             <a:endParaRPr lang="en-US" altLang="ko-KR" sz="1200" dirty="0"/>
@@ -4056,7 +4013,7 @@
         <p:spPr>
           <a:xfrm>
             <a:off x="537413" y="2349316"/>
-            <a:ext cx="2808460" cy="1200329"/>
+            <a:ext cx="2808460" cy="1441613"/>
           </a:xfrm>
           <a:prstGeom prst="rect">
             <a:avLst/>
@@ -4077,10 +4034,10 @@
               <a:buChar char="-"/>
             </a:pPr>
             <a:r>
-              <a:rPr lang="ko-KR" altLang="en-US" sz="1200" dirty="0" smtClean="0"/>
+              <a:rPr lang="ko-KR" altLang="en-US" sz="1200" dirty="0"/>
               <a:t>모델링에 입력된 정보의 종류 파악</a:t>
             </a:r>
-            <a:endParaRPr lang="en-US" altLang="ko-KR" sz="1200" dirty="0" smtClean="0"/>
+            <a:endParaRPr lang="en-US" altLang="ko-KR" sz="1200" dirty="0"/>
           </a:p>
           <a:p>
             <a:pPr>
@@ -4088,7 +4045,15 @@
                 <a:spcPct val="150000"/>
               </a:lnSpc>
             </a:pPr>
-            <a:endParaRPr lang="en-US" altLang="ko-KR" sz="1200" dirty="0" smtClean="0"/>
+            <a:endParaRPr lang="en-US" altLang="ko-KR" sz="1200" dirty="0"/>
+          </a:p>
+          <a:p>
+            <a:pPr>
+              <a:lnSpc>
+                <a:spcPct val="150000"/>
+              </a:lnSpc>
+            </a:pPr>
+            <a:endParaRPr lang="en-US" altLang="ko-KR" sz="1200" dirty="0"/>
           </a:p>
           <a:p>
             <a:pPr marL="171450" indent="-171450">
@@ -4099,10 +4064,10 @@
               <a:buChar char="-"/>
             </a:pPr>
             <a:r>
-              <a:rPr lang="ko-KR" altLang="en-US" sz="1200" dirty="0" smtClean="0"/>
+              <a:rPr lang="ko-KR" altLang="en-US" sz="1200" dirty="0"/>
               <a:t>특정 매개변수의 이름을 사용하여 원하는 정보 조회 및 저장 </a:t>
             </a:r>
-            <a:endParaRPr lang="en-US" altLang="ko-KR" sz="1200" dirty="0" smtClean="0"/>
+            <a:endParaRPr lang="en-US" altLang="ko-KR" sz="1200" dirty="0"/>
           </a:p>
         </p:txBody>
       </p:sp>
@@ -4115,7 +4080,7 @@
         <p:spPr>
           <a:xfrm>
             <a:off x="3996583" y="2349316"/>
-            <a:ext cx="2808460" cy="1200329"/>
+            <a:ext cx="2808460" cy="1441613"/>
           </a:xfrm>
           <a:prstGeom prst="rect">
             <a:avLst/>
@@ -4136,18 +4101,10 @@
               <a:buChar char="-"/>
             </a:pPr>
             <a:r>
-              <a:rPr lang="ko-KR" altLang="en-US" sz="1200" dirty="0" smtClean="0"/>
-              <a:t>모델링에 입력된 정보의 종류 파악</a:t>
-            </a:r>
-            <a:endParaRPr lang="en-US" altLang="ko-KR" sz="1200" dirty="0" smtClean="0"/>
-          </a:p>
-          <a:p>
-            <a:pPr>
-              <a:lnSpc>
-                <a:spcPct val="150000"/>
-              </a:lnSpc>
-            </a:pPr>
-            <a:endParaRPr lang="en-US" altLang="ko-KR" sz="1200" dirty="0" smtClean="0"/>
+              <a:rPr lang="ko-KR" altLang="en-US" sz="1200" dirty="0"/>
+              <a:t>정보조회 단계에서 파악된 매개변수의 값을 다른 값으로 바꿔 보기</a:t>
+            </a:r>
+            <a:endParaRPr lang="en-US" altLang="ko-KR" sz="1200" dirty="0"/>
           </a:p>
           <a:p>
             <a:pPr marL="171450" indent="-171450">
@@ -4157,35 +4114,8 @@
               <a:buFontTx/>
               <a:buChar char="-"/>
             </a:pPr>
-            <a:r>
-              <a:rPr lang="ko-KR" altLang="en-US" sz="1200" dirty="0" smtClean="0"/>
-              <a:t>특정 매개변수의 이름을 사용하여 원하는 정보 조회 및 저장 </a:t>
-            </a:r>
-            <a:endParaRPr lang="en-US" altLang="ko-KR" sz="1200" dirty="0" smtClean="0"/>
-          </a:p>
-        </p:txBody>
-      </p:sp>
-      <p:sp>
-        <p:nvSpPr>
-          <p:cNvPr id="15" name="TextBox 14"/>
-          <p:cNvSpPr txBox="1"/>
-          <p:nvPr/>
-        </p:nvSpPr>
-        <p:spPr>
-          <a:xfrm>
-            <a:off x="7635711" y="2349316"/>
-            <a:ext cx="2808460" cy="1200329"/>
-          </a:xfrm>
-          <a:prstGeom prst="rect">
-            <a:avLst/>
-          </a:prstGeom>
-          <a:noFill/>
-        </p:spPr>
-        <p:txBody>
-          <a:bodyPr wrap="square" rtlCol="0">
-            <a:spAutoFit/>
-          </a:bodyPr>
-          <a:lstStyle/>
+            <a:endParaRPr lang="en-US" altLang="ko-KR" sz="1200" dirty="0"/>
+          </a:p>
           <a:p>
             <a:pPr marL="171450" indent="-171450">
               <a:lnSpc>
@@ -4195,19 +4125,42 @@
               <a:buChar char="-"/>
             </a:pPr>
             <a:r>
-              <a:rPr lang="ko-KR" altLang="en-US" sz="1200" dirty="0" smtClean="0"/>
-              <a:t>모델링에 입력된 정보의 종류 파악</a:t>
-            </a:r>
-            <a:endParaRPr lang="en-US" altLang="ko-KR" sz="1200" dirty="0" smtClean="0"/>
-          </a:p>
-          <a:p>
-            <a:pPr>
-              <a:lnSpc>
-                <a:spcPct val="150000"/>
-              </a:lnSpc>
-            </a:pPr>
-            <a:endParaRPr lang="en-US" altLang="ko-KR" sz="1200" dirty="0" smtClean="0"/>
-          </a:p>
+              <a:rPr lang="ko-KR" altLang="en-US" sz="1200" dirty="0"/>
+              <a:t>순차적으로 </a:t>
+            </a:r>
+            <a:r>
+              <a:rPr lang="en-US" altLang="ko-KR" sz="1200" dirty="0"/>
+              <a:t>2</a:t>
+            </a:r>
+            <a:r>
+              <a:rPr lang="ko-KR" altLang="en-US" sz="1200" dirty="0"/>
+              <a:t>가지 이상의 매개변수를 조작하기</a:t>
+            </a:r>
+            <a:endParaRPr lang="en-US" altLang="ko-KR" sz="1200" dirty="0"/>
+          </a:p>
+        </p:txBody>
+      </p:sp>
+      <p:sp>
+        <p:nvSpPr>
+          <p:cNvPr id="15" name="TextBox 14"/>
+          <p:cNvSpPr txBox="1"/>
+          <p:nvPr/>
+        </p:nvSpPr>
+        <p:spPr>
+          <a:xfrm>
+            <a:off x="7635711" y="2349316"/>
+            <a:ext cx="2808460" cy="1718612"/>
+          </a:xfrm>
+          <a:prstGeom prst="rect">
+            <a:avLst/>
+          </a:prstGeom>
+          <a:noFill/>
+        </p:spPr>
+        <p:txBody>
+          <a:bodyPr wrap="square" rtlCol="0">
+            <a:spAutoFit/>
+          </a:bodyPr>
+          <a:lstStyle/>
           <a:p>
             <a:pPr marL="171450" indent="-171450">
               <a:lnSpc>
@@ -4217,10 +4170,64 @@
               <a:buChar char="-"/>
             </a:pPr>
             <a:r>
-              <a:rPr lang="ko-KR" altLang="en-US" sz="1200" dirty="0" smtClean="0"/>
-              <a:t>특정 매개변수의 이름을 사용하여 원하는 정보 조회 및 저장 </a:t>
-            </a:r>
-            <a:endParaRPr lang="en-US" altLang="ko-KR" sz="1200" dirty="0" smtClean="0"/>
+              <a:rPr lang="ko-KR" altLang="en-US" sz="1200" dirty="0"/>
+              <a:t>부재 작성에 필요한 매개변수 파악</a:t>
+            </a:r>
+            <a:endParaRPr lang="en-US" altLang="ko-KR" sz="1200" dirty="0"/>
+          </a:p>
+          <a:p>
+            <a:pPr marL="171450" indent="-171450">
+              <a:lnSpc>
+                <a:spcPct val="150000"/>
+              </a:lnSpc>
+              <a:buFontTx/>
+              <a:buChar char="-"/>
+            </a:pPr>
+            <a:endParaRPr lang="en-US" altLang="ko-KR" sz="1200" dirty="0"/>
+          </a:p>
+          <a:p>
+            <a:pPr marL="171450" indent="-171450">
+              <a:lnSpc>
+                <a:spcPct val="150000"/>
+              </a:lnSpc>
+              <a:buFontTx/>
+              <a:buChar char="-"/>
+            </a:pPr>
+            <a:endParaRPr lang="en-US" altLang="ko-KR" sz="1200" dirty="0"/>
+          </a:p>
+          <a:p>
+            <a:pPr marL="171450" indent="-171450">
+              <a:lnSpc>
+                <a:spcPct val="150000"/>
+              </a:lnSpc>
+              <a:buFontTx/>
+              <a:buChar char="-"/>
+            </a:pPr>
+            <a:r>
+              <a:rPr lang="ko-KR" altLang="en-US" sz="1200" dirty="0" err="1"/>
+              <a:t>필요매개변수를</a:t>
+            </a:r>
+            <a:r>
+              <a:rPr lang="ko-KR" altLang="en-US" sz="1200" dirty="0"/>
+              <a:t> 미리 엑셀 테이블로 준비한 후 이를 </a:t>
+            </a:r>
+            <a:r>
+              <a:rPr lang="ko-KR" altLang="en-US" sz="1200" dirty="0" err="1"/>
+              <a:t>다이나모에서</a:t>
+            </a:r>
+            <a:r>
+              <a:rPr lang="ko-KR" altLang="en-US" sz="1200" dirty="0"/>
+              <a:t> </a:t>
+            </a:r>
+            <a:r>
+              <a:rPr lang="ko-KR" altLang="en-US" sz="1200" dirty="0" err="1"/>
+              <a:t>읽어들여</a:t>
+            </a:r>
+            <a:r>
+              <a:rPr lang="ko-KR" altLang="en-US" sz="1200" dirty="0"/>
+              <a:t> 모델링 작성하기</a:t>
+            </a:r>
+            <a:endParaRPr lang="en-US" altLang="ko-KR" sz="1200" dirty="0"/>
           </a:p>
         </p:txBody>
       </p:sp>
@@ -4242,13 +4249,6 @@
       <p:transition/>
     </mc:Fallback>
   </mc:AlternateContent>
-  <p:timing>
-    <p:tnLst>
-      <p:par>
-        <p:cTn id="1" dur="indefinite" restart="never" nodeType="tmRoot"/>
-      </p:par>
-    </p:tnLst>
-  </p:timing>
 </p:sld>
 </file>
 
@@ -4370,7 +4370,7 @@
               <a:t>IV Dynamo </a:t>
             </a:r>
             <a:r>
-              <a:rPr lang="ko-KR" altLang="en-US" b="1" dirty="0" err="1" smtClean="0">
+              <a:rPr lang="ko-KR" altLang="en-US" b="1" dirty="0" err="1">
                 <a:ln>
                   <a:solidFill>
                     <a:srgbClr val="4F81BD">
@@ -4449,7 +4449,7 @@
               <a:defRPr/>
             </a:pPr>
             <a:r>
-              <a:rPr lang="ko-KR" altLang="en-US" sz="1400" b="1" dirty="0" smtClean="0">
+              <a:rPr lang="ko-KR" altLang="en-US" sz="1400" b="1" dirty="0">
                 <a:ln>
                   <a:solidFill>
                     <a:schemeClr val="bg1">
@@ -4463,7 +4463,7 @@
                 <a:latin typeface="현대하모니 L" panose="02020603020101020101" pitchFamily="18" charset="-127"/>
                 <a:ea typeface="현대하모니 L" panose="02020603020101020101" pitchFamily="18" charset="-127"/>
               </a:rPr>
-              <a:t>기초과정</a:t>
+              <a:t>활용과정</a:t>
             </a:r>
             <a:endParaRPr lang="ko-KR" altLang="en-US" sz="1400" dirty="0"/>
           </a:p>
@@ -4495,10 +4495,10 @@
               <a:buAutoNum type="arabicPeriod"/>
             </a:pPr>
             <a:r>
-              <a:rPr lang="ko-KR" altLang="en-US" sz="1200" b="1" dirty="0" smtClean="0"/>
+              <a:rPr lang="ko-KR" altLang="en-US" sz="1200" b="1" dirty="0"/>
               <a:t>모델링 정보 조회</a:t>
             </a:r>
-            <a:endParaRPr lang="en-US" altLang="ko-KR" sz="1200" b="1" dirty="0" smtClean="0"/>
+            <a:endParaRPr lang="en-US" altLang="ko-KR" sz="1200" b="1" dirty="0"/>
           </a:p>
         </p:txBody>
       </p:sp>
@@ -4540,7 +4540,7 @@
               <a:t>2. </a:t>
             </a:r>
             <a:r>
-              <a:rPr lang="ko-KR" altLang="en-US" dirty="0" smtClean="0"/>
+              <a:rPr lang="ko-KR" altLang="en-US" dirty="0"/>
               <a:t>모델링 정보 수정</a:t>
             </a:r>
             <a:endParaRPr lang="en-US" altLang="ko-KR" dirty="0"/>
@@ -4570,14 +4570,314 @@
           <a:lstStyle/>
           <a:p>
             <a:r>
-              <a:rPr lang="en-US" altLang="ko-KR" sz="1200" b="1" dirty="0" smtClean="0"/>
+              <a:rPr lang="en-US" altLang="ko-KR" sz="1200" b="1" dirty="0"/>
               <a:t>3. </a:t>
             </a:r>
             <a:r>
-              <a:rPr lang="ko-KR" altLang="en-US" sz="1200" b="1" dirty="0" smtClean="0"/>
+              <a:rPr lang="ko-KR" altLang="en-US" sz="1200" b="1" dirty="0"/>
               <a:t>테이블을 통한 모델 작성</a:t>
             </a:r>
             <a:endParaRPr lang="en-US" altLang="ko-KR" sz="1200" dirty="0"/>
+          </a:p>
+        </p:txBody>
+      </p:sp>
+      <p:sp>
+        <p:nvSpPr>
+          <p:cNvPr id="8" name="TextBox 7">
+            <a:extLst>
+              <a:ext uri="{FF2B5EF4-FFF2-40B4-BE49-F238E27FC236}">
+                <a16:creationId xmlns:a16="http://schemas.microsoft.com/office/drawing/2014/main" id="{26DEFA48-5CD6-B1F6-1C0E-2D4C8189BD31}"/>
+              </a:ext>
+            </a:extLst>
+          </p:cNvPr>
+          <p:cNvSpPr txBox="1"/>
+          <p:nvPr/>
+        </p:nvSpPr>
+        <p:spPr>
+          <a:xfrm>
+            <a:off x="537413" y="2349316"/>
+            <a:ext cx="2808460" cy="1995611"/>
+          </a:xfrm>
+          <a:prstGeom prst="rect">
+            <a:avLst/>
+          </a:prstGeom>
+          <a:noFill/>
+        </p:spPr>
+        <p:txBody>
+          <a:bodyPr wrap="square" rtlCol="0">
+            <a:spAutoFit/>
+          </a:bodyPr>
+          <a:lstStyle/>
+          <a:p>
+            <a:pPr marL="171450" indent="-171450">
+              <a:lnSpc>
+                <a:spcPct val="150000"/>
+              </a:lnSpc>
+              <a:buFontTx/>
+              <a:buChar char="-"/>
+            </a:pPr>
+            <a:r>
+              <a:rPr lang="ko-KR" altLang="en-US" sz="1200" dirty="0"/>
+              <a:t>패밀리의 종류에 따라 달라지는 재질 매개변수 접근법 </a:t>
+            </a:r>
+            <a:r>
+              <a:rPr lang="en-US" altLang="ko-KR" sz="1200" dirty="0"/>
+              <a:t>(Load Family, System Family)</a:t>
+            </a:r>
+          </a:p>
+          <a:p>
+            <a:pPr marL="171450" indent="-171450">
+              <a:lnSpc>
+                <a:spcPct val="150000"/>
+              </a:lnSpc>
+              <a:buFontTx/>
+              <a:buChar char="-"/>
+            </a:pPr>
+            <a:endParaRPr lang="en-US" altLang="ko-KR" sz="1200" dirty="0"/>
+          </a:p>
+          <a:p>
+            <a:pPr marL="171450" indent="-171450">
+              <a:lnSpc>
+                <a:spcPct val="150000"/>
+              </a:lnSpc>
+              <a:buFontTx/>
+              <a:buChar char="-"/>
+            </a:pPr>
+            <a:r>
+              <a:rPr lang="ko-KR" altLang="en-US" sz="1200" dirty="0"/>
+              <a:t>단순 데이터가 아닌</a:t>
+            </a:r>
+            <a:r>
+              <a:rPr lang="en-US" altLang="ko-KR" sz="1200" dirty="0"/>
+              <a:t>, </a:t>
+            </a:r>
+            <a:r>
+              <a:rPr lang="ko-KR" altLang="en-US" sz="1200" dirty="0"/>
+              <a:t>레벨과 같이 매개변수의 값이 어떠한 </a:t>
+            </a:r>
+            <a:r>
+              <a:rPr lang="en-US" altLang="ko-KR" sz="1200" dirty="0"/>
+              <a:t>Revit </a:t>
+            </a:r>
+            <a:r>
+              <a:rPr lang="ko-KR" altLang="en-US" sz="1200" dirty="0"/>
+              <a:t>객체일때 상세 조회 방법</a:t>
+            </a:r>
+            <a:endParaRPr lang="en-US" altLang="ko-KR" sz="1200" dirty="0"/>
+          </a:p>
+        </p:txBody>
+      </p:sp>
+      <p:sp>
+        <p:nvSpPr>
+          <p:cNvPr id="9" name="TextBox 8">
+            <a:extLst>
+              <a:ext uri="{FF2B5EF4-FFF2-40B4-BE49-F238E27FC236}">
+                <a16:creationId xmlns:a16="http://schemas.microsoft.com/office/drawing/2014/main" id="{798DA474-4040-F04C-2323-0D37EC9174A5}"/>
+              </a:ext>
+            </a:extLst>
+          </p:cNvPr>
+          <p:cNvSpPr txBox="1"/>
+          <p:nvPr/>
+        </p:nvSpPr>
+        <p:spPr>
+          <a:xfrm>
+            <a:off x="3996583" y="2349316"/>
+            <a:ext cx="2808460" cy="1718612"/>
+          </a:xfrm>
+          <a:prstGeom prst="rect">
+            <a:avLst/>
+          </a:prstGeom>
+          <a:noFill/>
+        </p:spPr>
+        <p:txBody>
+          <a:bodyPr wrap="square" rtlCol="0">
+            <a:spAutoFit/>
+          </a:bodyPr>
+          <a:lstStyle/>
+          <a:p>
+            <a:pPr marL="171450" indent="-171450">
+              <a:lnSpc>
+                <a:spcPct val="150000"/>
+              </a:lnSpc>
+              <a:buFontTx/>
+              <a:buChar char="-"/>
+            </a:pPr>
+            <a:r>
+              <a:rPr lang="ko-KR" altLang="en-US" sz="1200" dirty="0"/>
+              <a:t>단순 데이터가 아닌</a:t>
+            </a:r>
+            <a:r>
+              <a:rPr lang="en-US" altLang="ko-KR" sz="1200" dirty="0"/>
+              <a:t>, </a:t>
+            </a:r>
+            <a:r>
+              <a:rPr lang="ko-KR" altLang="en-US" sz="1200" dirty="0"/>
+              <a:t>레벨과 같이 매개변수의 값이 어떠한 </a:t>
+            </a:r>
+            <a:r>
+              <a:rPr lang="en-US" altLang="ko-KR" sz="1200" dirty="0"/>
+              <a:t>Revit </a:t>
+            </a:r>
+            <a:r>
+              <a:rPr lang="ko-KR" altLang="en-US" sz="1200" dirty="0"/>
+              <a:t>객체일때 제어 방법</a:t>
+            </a:r>
+            <a:endParaRPr lang="en-US" altLang="ko-KR" sz="1200" dirty="0"/>
+          </a:p>
+          <a:p>
+            <a:pPr marL="171450" indent="-171450">
+              <a:lnSpc>
+                <a:spcPct val="150000"/>
+              </a:lnSpc>
+              <a:buFontTx/>
+              <a:buChar char="-"/>
+            </a:pPr>
+            <a:endParaRPr lang="en-US" altLang="ko-KR" sz="1200" dirty="0"/>
+          </a:p>
+          <a:p>
+            <a:pPr marL="171450" indent="-171450">
+              <a:lnSpc>
+                <a:spcPct val="150000"/>
+              </a:lnSpc>
+              <a:buFontTx/>
+              <a:buChar char="-"/>
+            </a:pPr>
+            <a:r>
+              <a:rPr lang="ko-KR" altLang="en-US" sz="1200" dirty="0"/>
+              <a:t>동시에 </a:t>
+            </a:r>
+            <a:r>
+              <a:rPr lang="en-US" altLang="ko-KR" sz="1200" dirty="0"/>
+              <a:t>2</a:t>
+            </a:r>
+            <a:r>
+              <a:rPr lang="ko-KR" altLang="en-US" sz="1200" dirty="0"/>
+              <a:t>가지 이상의 매개변수를 조작하기</a:t>
+            </a:r>
+            <a:endParaRPr lang="en-US" altLang="ko-KR" sz="1200" dirty="0"/>
+          </a:p>
+        </p:txBody>
+      </p:sp>
+      <p:sp>
+        <p:nvSpPr>
+          <p:cNvPr id="10" name="TextBox 9">
+            <a:extLst>
+              <a:ext uri="{FF2B5EF4-FFF2-40B4-BE49-F238E27FC236}">
+                <a16:creationId xmlns:a16="http://schemas.microsoft.com/office/drawing/2014/main" id="{441EB511-81D4-313E-2870-B8B1B13EBFD1}"/>
+              </a:ext>
+            </a:extLst>
+          </p:cNvPr>
+          <p:cNvSpPr txBox="1"/>
+          <p:nvPr/>
+        </p:nvSpPr>
+        <p:spPr>
+          <a:xfrm>
+            <a:off x="7635711" y="2349316"/>
+            <a:ext cx="2808460" cy="1718612"/>
+          </a:xfrm>
+          <a:prstGeom prst="rect">
+            <a:avLst/>
+          </a:prstGeom>
+          <a:noFill/>
+        </p:spPr>
+        <p:txBody>
+          <a:bodyPr wrap="square" rtlCol="0">
+            <a:spAutoFit/>
+          </a:bodyPr>
+          <a:lstStyle/>
+          <a:p>
+            <a:pPr marL="171450" indent="-171450">
+              <a:lnSpc>
+                <a:spcPct val="150000"/>
+              </a:lnSpc>
+              <a:buFontTx/>
+              <a:buChar char="-"/>
+            </a:pPr>
+            <a:r>
+              <a:rPr lang="ko-KR" altLang="en-US" sz="1200" dirty="0" err="1"/>
+              <a:t>다이나모에서</a:t>
+            </a:r>
+            <a:r>
+              <a:rPr lang="ko-KR" altLang="en-US" sz="1200" dirty="0"/>
+              <a:t> 외부 데이터 </a:t>
+            </a:r>
+            <a:r>
+              <a:rPr lang="ko-KR" altLang="en-US" sz="1200" dirty="0" err="1"/>
+              <a:t>읽어들이는</a:t>
+            </a:r>
+            <a:r>
+              <a:rPr lang="ko-KR" altLang="en-US" sz="1200" dirty="0"/>
+              <a:t> 방식</a:t>
+            </a:r>
+            <a:r>
+              <a:rPr lang="en-US" altLang="ko-KR" sz="1200" dirty="0"/>
+              <a:t>(txt,</a:t>
+            </a:r>
+            <a:r>
+              <a:rPr lang="ko-KR" altLang="en-US" sz="1200" dirty="0"/>
+              <a:t> </a:t>
+            </a:r>
+            <a:r>
+              <a:rPr lang="en-US" altLang="ko-KR" sz="1200" dirty="0"/>
+              <a:t>csv, excel)</a:t>
+            </a:r>
+          </a:p>
+          <a:p>
+            <a:pPr marL="171450" indent="-171450">
+              <a:lnSpc>
+                <a:spcPct val="150000"/>
+              </a:lnSpc>
+              <a:buFontTx/>
+              <a:buChar char="-"/>
+            </a:pPr>
+            <a:endParaRPr lang="en-US" altLang="ko-KR" sz="1200" dirty="0"/>
+          </a:p>
+          <a:p>
+            <a:pPr marL="171450" indent="-171450">
+              <a:lnSpc>
+                <a:spcPct val="150000"/>
+              </a:lnSpc>
+              <a:buFontTx/>
+              <a:buChar char="-"/>
+            </a:pPr>
+            <a:endParaRPr lang="en-US" altLang="ko-KR" sz="1200" dirty="0"/>
+          </a:p>
+          <a:p>
+            <a:pPr marL="171450" indent="-171450">
+              <a:lnSpc>
+                <a:spcPct val="150000"/>
+              </a:lnSpc>
+              <a:buFontTx/>
+              <a:buChar char="-"/>
+            </a:pPr>
+            <a:r>
+              <a:rPr lang="ko-KR" altLang="en-US" sz="1200" dirty="0" err="1"/>
+              <a:t>읽어들인</a:t>
+            </a:r>
+            <a:r>
+              <a:rPr lang="ko-KR" altLang="en-US" sz="1200" dirty="0"/>
+              <a:t> 데이터를 </a:t>
+            </a:r>
+            <a:r>
+              <a:rPr lang="en-US" altLang="ko-KR" sz="1200" dirty="0"/>
+              <a:t>Set</a:t>
+            </a:r>
+            <a:r>
+              <a:rPr lang="ko-KR" altLang="en-US" sz="1200" dirty="0"/>
+              <a:t>로 관리하기</a:t>
+            </a:r>
+            <a:r>
+              <a:rPr lang="en-US" altLang="ko-KR" sz="1200" dirty="0"/>
+              <a:t>(Building List </a:t>
+            </a:r>
+            <a:r>
+              <a:rPr lang="ko-KR" altLang="en-US" sz="1200" dirty="0"/>
+              <a:t>포맷의 사례에서</a:t>
+            </a:r>
+            <a:r>
+              <a:rPr lang="en-US" altLang="ko-KR" sz="1200" dirty="0"/>
+              <a:t>)</a:t>
+            </a:r>
           </a:p>
         </p:txBody>
       </p:sp>
@@ -4599,13 +4899,6 @@
       <p:transition/>
     </mc:Fallback>
   </mc:AlternateContent>
-  <p:timing>
-    <p:tnLst>
-      <p:par>
-        <p:cTn id="1" dur="indefinite" restart="never" nodeType="tmRoot"/>
-      </p:par>
-    </p:tnLst>
-  </p:timing>
 </p:sld>
 </file>
 
